--- a/presentation/talaash ppt.pptx
+++ b/presentation/talaash ppt.pptx
@@ -10,7 +10,8 @@
     <p:sldId id="258" r:id="rId4"/>
     <p:sldId id="257" r:id="rId5"/>
     <p:sldId id="260" r:id="rId6"/>
-    <p:sldId id="261" r:id="rId7"/>
+    <p:sldId id="262" r:id="rId7"/>
+    <p:sldId id="261" r:id="rId8"/>
   </p:sldIdLst>
   <p:sldSz cx="12192000" cy="6858000"/>
   <p:notesSz cx="6858000" cy="9144000"/>
@@ -264,7 +265,7 @@
           <a:p>
             <a:fld id="{3AED3923-7DE9-4300-8208-7201C34F9F0B}" type="datetimeFigureOut">
               <a:rPr lang="en-US" smtClean="0"/>
-              <a:t>3/22/2023</a:t>
+              <a:t>3/23/2023</a:t>
             </a:fld>
             <a:endParaRPr lang="en-US"/>
           </a:p>
@@ -462,7 +463,7 @@
           <a:p>
             <a:fld id="{3AED3923-7DE9-4300-8208-7201C34F9F0B}" type="datetimeFigureOut">
               <a:rPr lang="en-US" smtClean="0"/>
-              <a:t>3/22/2023</a:t>
+              <a:t>3/23/2023</a:t>
             </a:fld>
             <a:endParaRPr lang="en-US"/>
           </a:p>
@@ -670,7 +671,7 @@
           <a:p>
             <a:fld id="{3AED3923-7DE9-4300-8208-7201C34F9F0B}" type="datetimeFigureOut">
               <a:rPr lang="en-US" smtClean="0"/>
-              <a:t>3/22/2023</a:t>
+              <a:t>3/23/2023</a:t>
             </a:fld>
             <a:endParaRPr lang="en-US"/>
           </a:p>
@@ -868,7 +869,7 @@
           <a:p>
             <a:fld id="{3AED3923-7DE9-4300-8208-7201C34F9F0B}" type="datetimeFigureOut">
               <a:rPr lang="en-US" smtClean="0"/>
-              <a:t>3/22/2023</a:t>
+              <a:t>3/23/2023</a:t>
             </a:fld>
             <a:endParaRPr lang="en-US"/>
           </a:p>
@@ -1143,7 +1144,7 @@
           <a:p>
             <a:fld id="{3AED3923-7DE9-4300-8208-7201C34F9F0B}" type="datetimeFigureOut">
               <a:rPr lang="en-US" smtClean="0"/>
-              <a:t>3/22/2023</a:t>
+              <a:t>3/23/2023</a:t>
             </a:fld>
             <a:endParaRPr lang="en-US"/>
           </a:p>
@@ -1408,7 +1409,7 @@
           <a:p>
             <a:fld id="{3AED3923-7DE9-4300-8208-7201C34F9F0B}" type="datetimeFigureOut">
               <a:rPr lang="en-US" smtClean="0"/>
-              <a:t>3/22/2023</a:t>
+              <a:t>3/23/2023</a:t>
             </a:fld>
             <a:endParaRPr lang="en-US"/>
           </a:p>
@@ -1820,7 +1821,7 @@
           <a:p>
             <a:fld id="{3AED3923-7DE9-4300-8208-7201C34F9F0B}" type="datetimeFigureOut">
               <a:rPr lang="en-US" smtClean="0"/>
-              <a:t>3/22/2023</a:t>
+              <a:t>3/23/2023</a:t>
             </a:fld>
             <a:endParaRPr lang="en-US"/>
           </a:p>
@@ -1961,7 +1962,7 @@
           <a:p>
             <a:fld id="{3AED3923-7DE9-4300-8208-7201C34F9F0B}" type="datetimeFigureOut">
               <a:rPr lang="en-US" smtClean="0"/>
-              <a:t>3/22/2023</a:t>
+              <a:t>3/23/2023</a:t>
             </a:fld>
             <a:endParaRPr lang="en-US"/>
           </a:p>
@@ -2074,7 +2075,7 @@
           <a:p>
             <a:fld id="{3AED3923-7DE9-4300-8208-7201C34F9F0B}" type="datetimeFigureOut">
               <a:rPr lang="en-US" smtClean="0"/>
-              <a:t>3/22/2023</a:t>
+              <a:t>3/23/2023</a:t>
             </a:fld>
             <a:endParaRPr lang="en-US"/>
           </a:p>
@@ -2385,7 +2386,7 @@
           <a:p>
             <a:fld id="{3AED3923-7DE9-4300-8208-7201C34F9F0B}" type="datetimeFigureOut">
               <a:rPr lang="en-US" smtClean="0"/>
-              <a:t>3/22/2023</a:t>
+              <a:t>3/23/2023</a:t>
             </a:fld>
             <a:endParaRPr lang="en-US"/>
           </a:p>
@@ -2673,7 +2674,7 @@
           <a:p>
             <a:fld id="{3AED3923-7DE9-4300-8208-7201C34F9F0B}" type="datetimeFigureOut">
               <a:rPr lang="en-US" smtClean="0"/>
-              <a:t>3/22/2023</a:t>
+              <a:t>3/23/2023</a:t>
             </a:fld>
             <a:endParaRPr lang="en-US"/>
           </a:p>
@@ -2914,7 +2915,7 @@
           <a:p>
             <a:fld id="{3AED3923-7DE9-4300-8208-7201C34F9F0B}" type="datetimeFigureOut">
               <a:rPr lang="en-US" smtClean="0"/>
-              <a:t>3/22/2023</a:t>
+              <a:t>3/23/2023</a:t>
             </a:fld>
             <a:endParaRPr lang="en-US"/>
           </a:p>
@@ -3737,7 +3738,7 @@
         </p:nvSpPr>
         <p:spPr>
           <a:xfrm>
-            <a:off x="145774" y="20398"/>
+            <a:off x="145774" y="-140543"/>
             <a:ext cx="10681252" cy="1543360"/>
           </a:xfrm>
         </p:spPr>
@@ -4104,6 +4105,114 @@
 </file>
 
 <file path=ppt/slides/slide6.xml><?xml version="1.0" encoding="utf-8"?>
+<p:sld xmlns:a="http://schemas.openxmlformats.org/drawingml/2006/main" xmlns:r="http://schemas.openxmlformats.org/officeDocument/2006/relationships" xmlns:p="http://schemas.openxmlformats.org/presentationml/2006/main">
+  <p:cSld>
+    <p:spTree>
+      <p:nvGrpSpPr>
+        <p:cNvPr id="1" name=""/>
+        <p:cNvGrpSpPr/>
+        <p:nvPr/>
+      </p:nvGrpSpPr>
+      <p:grpSpPr>
+        <a:xfrm>
+          <a:off x="0" y="0"/>
+          <a:ext cx="0" cy="0"/>
+          <a:chOff x="0" y="0"/>
+          <a:chExt cx="0" cy="0"/>
+        </a:xfrm>
+      </p:grpSpPr>
+      <p:sp>
+        <p:nvSpPr>
+          <p:cNvPr id="2" name="Title 1">
+            <a:extLst>
+              <a:ext uri="{FF2B5EF4-FFF2-40B4-BE49-F238E27FC236}">
+                <a16:creationId xmlns:a16="http://schemas.microsoft.com/office/drawing/2014/main" id="{C65B7F47-54DA-41C2-8867-58EBD57657EA}"/>
+              </a:ext>
+            </a:extLst>
+          </p:cNvPr>
+          <p:cNvSpPr>
+            <a:spLocks noGrp="1"/>
+          </p:cNvSpPr>
+          <p:nvPr>
+            <p:ph type="ctrTitle"/>
+          </p:nvPr>
+        </p:nvSpPr>
+        <p:spPr>
+          <a:xfrm>
+            <a:off x="145774" y="20398"/>
+            <a:ext cx="10681252" cy="1280368"/>
+          </a:xfrm>
+        </p:spPr>
+        <p:txBody>
+          <a:bodyPr>
+            <a:normAutofit fontScale="90000"/>
+          </a:bodyPr>
+          <a:lstStyle/>
+          <a:p>
+            <a:r>
+              <a:rPr lang="en-US" sz="8800" dirty="0">
+                <a:solidFill>
+                  <a:schemeClr val="accent4">
+                    <a:lumMod val="60000"/>
+                    <a:lumOff val="40000"/>
+                  </a:schemeClr>
+                </a:solidFill>
+                <a:latin typeface="Impact" panose="020B0806030902050204" pitchFamily="34" charset="0"/>
+              </a:rPr>
+              <a:t>Trackers Block Diagram</a:t>
+            </a:r>
+          </a:p>
+        </p:txBody>
+      </p:sp>
+      <p:pic>
+        <p:nvPicPr>
+          <p:cNvPr id="8" name="Picture 7">
+            <a:extLst>
+              <a:ext uri="{FF2B5EF4-FFF2-40B4-BE49-F238E27FC236}">
+                <a16:creationId xmlns:a16="http://schemas.microsoft.com/office/drawing/2014/main" id="{12846D09-55A9-4796-9857-5D983A567359}"/>
+              </a:ext>
+            </a:extLst>
+          </p:cNvPr>
+          <p:cNvPicPr>
+            <a:picLocks noChangeAspect="1"/>
+          </p:cNvPicPr>
+          <p:nvPr/>
+        </p:nvPicPr>
+        <p:blipFill>
+          <a:blip r:embed="rId2">
+            <a:extLst>
+              <a:ext uri="{28A0092B-C50C-407E-A947-70E740481C1C}">
+                <a14:useLocalDpi xmlns:a14="http://schemas.microsoft.com/office/drawing/2010/main" val="0"/>
+              </a:ext>
+            </a:extLst>
+          </a:blip>
+          <a:srcRect/>
+          <a:stretch/>
+        </p:blipFill>
+        <p:spPr>
+          <a:xfrm>
+            <a:off x="1096318" y="1210614"/>
+            <a:ext cx="9052234" cy="5433805"/>
+          </a:xfrm>
+          <a:prstGeom prst="rect">
+            <a:avLst/>
+          </a:prstGeom>
+        </p:spPr>
+      </p:pic>
+    </p:spTree>
+    <p:extLst>
+      <p:ext uri="{BB962C8B-B14F-4D97-AF65-F5344CB8AC3E}">
+        <p14:creationId xmlns:p14="http://schemas.microsoft.com/office/powerpoint/2010/main" val="558488566"/>
+      </p:ext>
+    </p:extLst>
+  </p:cSld>
+  <p:clrMapOvr>
+    <a:masterClrMapping/>
+  </p:clrMapOvr>
+</p:sld>
+</file>
+
+<file path=ppt/slides/slide7.xml><?xml version="1.0" encoding="utf-8"?>
 <p:sld xmlns:a="http://schemas.openxmlformats.org/drawingml/2006/main" xmlns:r="http://schemas.openxmlformats.org/officeDocument/2006/relationships" xmlns:p="http://schemas.openxmlformats.org/presentationml/2006/main">
   <p:cSld>
     <p:bg>

--- a/presentation/talaash ppt.pptx
+++ b/presentation/talaash ppt.pptx
@@ -4107,6 +4107,14 @@
 <file path=ppt/slides/slide6.xml><?xml version="1.0" encoding="utf-8"?>
 <p:sld xmlns:a="http://schemas.openxmlformats.org/drawingml/2006/main" xmlns:r="http://schemas.openxmlformats.org/officeDocument/2006/relationships" xmlns:p="http://schemas.openxmlformats.org/presentationml/2006/main">
   <p:cSld>
+    <p:bg>
+      <p:bgPr>
+        <a:solidFill>
+          <a:schemeClr val="accent1"/>
+        </a:solidFill>
+        <a:effectLst/>
+      </p:bgPr>
+    </p:bg>
     <p:spTree>
       <p:nvGrpSpPr>
         <p:cNvPr id="1" name=""/>
@@ -4139,7 +4147,7 @@
         </p:nvSpPr>
         <p:spPr>
           <a:xfrm>
-            <a:off x="145774" y="20398"/>
+            <a:off x="755373" y="-39757"/>
             <a:ext cx="10681252" cy="1280368"/>
           </a:xfrm>
         </p:spPr>
@@ -4191,8 +4199,8 @@
         </p:blipFill>
         <p:spPr>
           <a:xfrm>
-            <a:off x="1096318" y="1210614"/>
-            <a:ext cx="9052234" cy="5433805"/>
+            <a:off x="1474054" y="1152069"/>
+            <a:ext cx="9243891" cy="5548851"/>
           </a:xfrm>
           <a:prstGeom prst="rect">
             <a:avLst/>
@@ -4352,7 +4360,7 @@
         </p:spPr>
         <p:txBody>
           <a:bodyPr>
-            <a:normAutofit fontScale="92500" lnSpcReduction="10000"/>
+            <a:normAutofit/>
           </a:bodyPr>
           <a:lstStyle/>
           <a:p>
@@ -4360,7 +4368,7 @@
               <a:buAutoNum type="arabicParenR"/>
             </a:pPr>
             <a:r>
-              <a:rPr lang="en-US" sz="3200" dirty="0">
+              <a:rPr lang="en-US" dirty="0">
                 <a:solidFill>
                   <a:schemeClr val="bg1"/>
                 </a:solidFill>
@@ -4374,7 +4382,7 @@
               <a:buAutoNum type="arabicParenR"/>
             </a:pPr>
             <a:r>
-              <a:rPr lang="en-US" sz="3200" dirty="0">
+              <a:rPr lang="en-US" dirty="0">
                 <a:solidFill>
                   <a:schemeClr val="bg1"/>
                 </a:solidFill>
@@ -4383,7 +4391,7 @@
               <a:t>Supporting the government to interact on wanted, missing or escaped subjects (Criminals, lost objects, </a:t>
             </a:r>
             <a:r>
-              <a:rPr lang="en-US" sz="3200" dirty="0" err="1">
+              <a:rPr lang="en-US" dirty="0" err="1">
                 <a:solidFill>
                   <a:schemeClr val="bg1"/>
                 </a:solidFill>
@@ -4392,7 +4400,7 @@
               <a:t>etc</a:t>
             </a:r>
             <a:r>
-              <a:rPr lang="en-US" sz="3200" dirty="0">
+              <a:rPr lang="en-US" dirty="0">
                 <a:solidFill>
                   <a:schemeClr val="bg1"/>
                 </a:solidFill>
@@ -4406,7 +4414,7 @@
               <a:buAutoNum type="arabicParenR"/>
             </a:pPr>
             <a:r>
-              <a:rPr lang="en-US" sz="3200" dirty="0">
+              <a:rPr lang="en-US" dirty="0">
                 <a:solidFill>
                   <a:schemeClr val="bg1"/>
                 </a:solidFill>
@@ -4420,7 +4428,7 @@
               <a:buAutoNum type="arabicParenR"/>
             </a:pPr>
             <a:r>
-              <a:rPr lang="en-US" sz="3200" dirty="0">
+              <a:rPr lang="en-US" dirty="0">
                 <a:solidFill>
                   <a:schemeClr val="bg1"/>
                 </a:solidFill>
@@ -4434,7 +4442,7 @@
               <a:buAutoNum type="arabicParenR"/>
             </a:pPr>
             <a:r>
-              <a:rPr lang="en-US" sz="3200" dirty="0">
+              <a:rPr lang="en-US" dirty="0">
                 <a:solidFill>
                   <a:schemeClr val="bg1"/>
                 </a:solidFill>
@@ -4448,14 +4456,37 @@
               <a:buAutoNum type="arabicParenR"/>
             </a:pPr>
             <a:r>
-              <a:rPr lang="en-US" sz="3200" dirty="0">
+              <a:rPr lang="en-US" dirty="0">
                 <a:solidFill>
                   <a:schemeClr val="bg1"/>
                 </a:solidFill>
                 <a:latin typeface="Arial Rounded MT Bold" panose="020F0704030504030204" pitchFamily="34" charset="0"/>
               </a:rPr>
-              <a:t>Our product T toe is an initiative towards empowering women and child safety which comes with an additional SOS button and live camera feed when the SOS is triggered.</a:t>
-            </a:r>
+              <a:t>Our product T-Toe is an initiative towards empowering women and child safety which comes with an additional SOS button and live camera feed when the SOS is triggered.</a:t>
+            </a:r>
+          </a:p>
+          <a:p>
+            <a:pPr marL="514350" indent="-514350" algn="l">
+              <a:buAutoNum type="arabicParenR"/>
+            </a:pPr>
+            <a:r>
+              <a:rPr lang="en-US" dirty="0">
+                <a:solidFill>
+                  <a:schemeClr val="bg1"/>
+                </a:solidFill>
+                <a:latin typeface="Arial Rounded MT Bold" panose="020F0704030504030204" pitchFamily="34" charset="0"/>
+              </a:rPr>
+              <a:t>We’re going to integrate our T-Tag with vehicles to report when any unfortunate case happens.</a:t>
+            </a:r>
+          </a:p>
+          <a:p>
+            <a:pPr algn="l"/>
+            <a:endParaRPr lang="en-US" dirty="0">
+              <a:solidFill>
+                <a:schemeClr val="bg1"/>
+              </a:solidFill>
+              <a:latin typeface="Arial Rounded MT Bold" panose="020F0704030504030204" pitchFamily="34" charset="0"/>
+            </a:endParaRPr>
           </a:p>
         </p:txBody>
       </p:sp>
